--- a/kartya.pptx
+++ b/kartya.pptx
@@ -104,6 +104,11 @@
       </a:defRPr>
     </a:lvl9pPr>
   </p:defaultTextStyle>
+  <p:extLst>
+    <p:ext uri="{EFAFB233-063F-42B5-8137-9DF3F51BA10A}">
+      <p15:sldGuideLst xmlns:p15="http://schemas.microsoft.com/office/powerpoint/2012/main"/>
+    </p:ext>
+  </p:extLst>
 </p:presentation>
 </file>
 
@@ -238,7 +243,7 @@
           <a:p>
             <a:fld id="{0EE3A955-9260-4FCD-BC77-B874BAD059FC}" type="datetimeFigureOut">
               <a:rPr lang="hu-HU" smtClean="0"/>
-              <a:t>2019. 05. 01.</a:t>
+              <a:t>2019. 05. 05.</a:t>
             </a:fld>
             <a:endParaRPr lang="hu-HU"/>
           </a:p>
@@ -408,7 +413,7 @@
           <a:p>
             <a:fld id="{0EE3A955-9260-4FCD-BC77-B874BAD059FC}" type="datetimeFigureOut">
               <a:rPr lang="hu-HU" smtClean="0"/>
-              <a:t>2019. 05. 01.</a:t>
+              <a:t>2019. 05. 05.</a:t>
             </a:fld>
             <a:endParaRPr lang="hu-HU"/>
           </a:p>
@@ -588,7 +593,7 @@
           <a:p>
             <a:fld id="{0EE3A955-9260-4FCD-BC77-B874BAD059FC}" type="datetimeFigureOut">
               <a:rPr lang="hu-HU" smtClean="0"/>
-              <a:t>2019. 05. 01.</a:t>
+              <a:t>2019. 05. 05.</a:t>
             </a:fld>
             <a:endParaRPr lang="hu-HU"/>
           </a:p>
@@ -758,7 +763,7 @@
           <a:p>
             <a:fld id="{0EE3A955-9260-4FCD-BC77-B874BAD059FC}" type="datetimeFigureOut">
               <a:rPr lang="hu-HU" smtClean="0"/>
-              <a:t>2019. 05. 01.</a:t>
+              <a:t>2019. 05. 05.</a:t>
             </a:fld>
             <a:endParaRPr lang="hu-HU"/>
           </a:p>
@@ -1004,7 +1009,7 @@
           <a:p>
             <a:fld id="{0EE3A955-9260-4FCD-BC77-B874BAD059FC}" type="datetimeFigureOut">
               <a:rPr lang="hu-HU" smtClean="0"/>
-              <a:t>2019. 05. 01.</a:t>
+              <a:t>2019. 05. 05.</a:t>
             </a:fld>
             <a:endParaRPr lang="hu-HU"/>
           </a:p>
@@ -1236,7 +1241,7 @@
           <a:p>
             <a:fld id="{0EE3A955-9260-4FCD-BC77-B874BAD059FC}" type="datetimeFigureOut">
               <a:rPr lang="hu-HU" smtClean="0"/>
-              <a:t>2019. 05. 01.</a:t>
+              <a:t>2019. 05. 05.</a:t>
             </a:fld>
             <a:endParaRPr lang="hu-HU"/>
           </a:p>
@@ -1603,7 +1608,7 @@
           <a:p>
             <a:fld id="{0EE3A955-9260-4FCD-BC77-B874BAD059FC}" type="datetimeFigureOut">
               <a:rPr lang="hu-HU" smtClean="0"/>
-              <a:t>2019. 05. 01.</a:t>
+              <a:t>2019. 05. 05.</a:t>
             </a:fld>
             <a:endParaRPr lang="hu-HU"/>
           </a:p>
@@ -1721,7 +1726,7 @@
           <a:p>
             <a:fld id="{0EE3A955-9260-4FCD-BC77-B874BAD059FC}" type="datetimeFigureOut">
               <a:rPr lang="hu-HU" smtClean="0"/>
-              <a:t>2019. 05. 01.</a:t>
+              <a:t>2019. 05. 05.</a:t>
             </a:fld>
             <a:endParaRPr lang="hu-HU"/>
           </a:p>
@@ -1816,7 +1821,7 @@
           <a:p>
             <a:fld id="{0EE3A955-9260-4FCD-BC77-B874BAD059FC}" type="datetimeFigureOut">
               <a:rPr lang="hu-HU" smtClean="0"/>
-              <a:t>2019. 05. 01.</a:t>
+              <a:t>2019. 05. 05.</a:t>
             </a:fld>
             <a:endParaRPr lang="hu-HU"/>
           </a:p>
@@ -2093,7 +2098,7 @@
           <a:p>
             <a:fld id="{0EE3A955-9260-4FCD-BC77-B874BAD059FC}" type="datetimeFigureOut">
               <a:rPr lang="hu-HU" smtClean="0"/>
-              <a:t>2019. 05. 01.</a:t>
+              <a:t>2019. 05. 05.</a:t>
             </a:fld>
             <a:endParaRPr lang="hu-HU"/>
           </a:p>
@@ -2346,7 +2351,7 @@
           <a:p>
             <a:fld id="{0EE3A955-9260-4FCD-BC77-B874BAD059FC}" type="datetimeFigureOut">
               <a:rPr lang="hu-HU" smtClean="0"/>
-              <a:t>2019. 05. 01.</a:t>
+              <a:t>2019. 05. 05.</a:t>
             </a:fld>
             <a:endParaRPr lang="hu-HU"/>
           </a:p>
@@ -2559,7 +2564,7 @@
           <a:p>
             <a:fld id="{0EE3A955-9260-4FCD-BC77-B874BAD059FC}" type="datetimeFigureOut">
               <a:rPr lang="hu-HU" smtClean="0"/>
-              <a:t>2019. 05. 01.</a:t>
+              <a:t>2019. 05. 05.</a:t>
             </a:fld>
             <a:endParaRPr lang="hu-HU"/>
           </a:p>
@@ -3262,7 +3267,7 @@
         </p:nvSpPr>
         <p:spPr>
           <a:xfrm>
-            <a:off x="3440294" y="2169650"/>
+            <a:off x="3184581" y="2175218"/>
             <a:ext cx="1693477" cy="369332"/>
           </a:xfrm>
           <a:prstGeom prst="rect">
@@ -3300,8 +3305,8 @@
         </p:nvSpPr>
         <p:spPr>
           <a:xfrm>
-            <a:off x="3514563" y="4256692"/>
-            <a:ext cx="1179875" cy="369332"/>
+            <a:off x="2913771" y="4258582"/>
+            <a:ext cx="3030253" cy="369332"/>
           </a:xfrm>
           <a:prstGeom prst="rect">
             <a:avLst/>
@@ -3320,7 +3325,15 @@
                   <a:schemeClr val="bg1"/>
                 </a:solidFill>
               </a:rPr>
-              <a:t>Kártya cím</a:t>
+              <a:t>Kártya </a:t>
+            </a:r>
+            <a:r>
+              <a:rPr lang="hu-HU" i="1" dirty="0" smtClean="0">
+                <a:solidFill>
+                  <a:schemeClr val="bg1"/>
+                </a:solidFill>
+              </a:rPr>
+              <a:t>cím (4-es szintű címsor)</a:t>
             </a:r>
             <a:endParaRPr lang="hu-HU" i="1" dirty="0">
               <a:solidFill>
@@ -3338,7 +3351,7 @@
         </p:nvSpPr>
         <p:spPr>
           <a:xfrm>
-            <a:off x="3287239" y="4993885"/>
+            <a:off x="2913771" y="5017955"/>
             <a:ext cx="2507033" cy="369332"/>
           </a:xfrm>
           <a:prstGeom prst="rect">
@@ -3414,7 +3427,7 @@
         </p:nvSpPr>
         <p:spPr>
           <a:xfrm>
-            <a:off x="2937303" y="3821246"/>
+            <a:off x="2937301" y="3820933"/>
             <a:ext cx="2188035" cy="369332"/>
           </a:xfrm>
           <a:prstGeom prst="rect">
